--- a/EDA ANALİZİ.pptx
+++ b/EDA ANALİZİ.pptx
@@ -250,7 +250,7 @@
           <a:p>
             <a:fld id="{B6656B97-137F-4946-A02D-88820FFCEFD7}" type="datetimeFigureOut">
               <a:rPr lang="tr-TR" smtClean="0"/>
-              <a:t>29.04.2024</a:t>
+              <a:t>13.09.2024</a:t>
             </a:fld>
             <a:endParaRPr lang="tr-TR"/>
           </a:p>
@@ -420,7 +420,7 @@
           <a:p>
             <a:fld id="{B6656B97-137F-4946-A02D-88820FFCEFD7}" type="datetimeFigureOut">
               <a:rPr lang="tr-TR" smtClean="0"/>
-              <a:t>29.04.2024</a:t>
+              <a:t>13.09.2024</a:t>
             </a:fld>
             <a:endParaRPr lang="tr-TR"/>
           </a:p>
@@ -600,7 +600,7 @@
           <a:p>
             <a:fld id="{B6656B97-137F-4946-A02D-88820FFCEFD7}" type="datetimeFigureOut">
               <a:rPr lang="tr-TR" smtClean="0"/>
-              <a:t>29.04.2024</a:t>
+              <a:t>13.09.2024</a:t>
             </a:fld>
             <a:endParaRPr lang="tr-TR"/>
           </a:p>
@@ -770,7 +770,7 @@
           <a:p>
             <a:fld id="{B6656B97-137F-4946-A02D-88820FFCEFD7}" type="datetimeFigureOut">
               <a:rPr lang="tr-TR" smtClean="0"/>
-              <a:t>29.04.2024</a:t>
+              <a:t>13.09.2024</a:t>
             </a:fld>
             <a:endParaRPr lang="tr-TR"/>
           </a:p>
@@ -1016,7 +1016,7 @@
           <a:p>
             <a:fld id="{B6656B97-137F-4946-A02D-88820FFCEFD7}" type="datetimeFigureOut">
               <a:rPr lang="tr-TR" smtClean="0"/>
-              <a:t>29.04.2024</a:t>
+              <a:t>13.09.2024</a:t>
             </a:fld>
             <a:endParaRPr lang="tr-TR"/>
           </a:p>
@@ -1248,7 +1248,7 @@
           <a:p>
             <a:fld id="{B6656B97-137F-4946-A02D-88820FFCEFD7}" type="datetimeFigureOut">
               <a:rPr lang="tr-TR" smtClean="0"/>
-              <a:t>29.04.2024</a:t>
+              <a:t>13.09.2024</a:t>
             </a:fld>
             <a:endParaRPr lang="tr-TR"/>
           </a:p>
@@ -1615,7 +1615,7 @@
           <a:p>
             <a:fld id="{B6656B97-137F-4946-A02D-88820FFCEFD7}" type="datetimeFigureOut">
               <a:rPr lang="tr-TR" smtClean="0"/>
-              <a:t>29.04.2024</a:t>
+              <a:t>13.09.2024</a:t>
             </a:fld>
             <a:endParaRPr lang="tr-TR"/>
           </a:p>
@@ -1733,7 +1733,7 @@
           <a:p>
             <a:fld id="{B6656B97-137F-4946-A02D-88820FFCEFD7}" type="datetimeFigureOut">
               <a:rPr lang="tr-TR" smtClean="0"/>
-              <a:t>29.04.2024</a:t>
+              <a:t>13.09.2024</a:t>
             </a:fld>
             <a:endParaRPr lang="tr-TR"/>
           </a:p>
@@ -1828,7 +1828,7 @@
           <a:p>
             <a:fld id="{B6656B97-137F-4946-A02D-88820FFCEFD7}" type="datetimeFigureOut">
               <a:rPr lang="tr-TR" smtClean="0"/>
-              <a:t>29.04.2024</a:t>
+              <a:t>13.09.2024</a:t>
             </a:fld>
             <a:endParaRPr lang="tr-TR"/>
           </a:p>
@@ -2105,7 +2105,7 @@
           <a:p>
             <a:fld id="{B6656B97-137F-4946-A02D-88820FFCEFD7}" type="datetimeFigureOut">
               <a:rPr lang="tr-TR" smtClean="0"/>
-              <a:t>29.04.2024</a:t>
+              <a:t>13.09.2024</a:t>
             </a:fld>
             <a:endParaRPr lang="tr-TR"/>
           </a:p>
@@ -2358,7 +2358,7 @@
           <a:p>
             <a:fld id="{B6656B97-137F-4946-A02D-88820FFCEFD7}" type="datetimeFigureOut">
               <a:rPr lang="tr-TR" smtClean="0"/>
-              <a:t>29.04.2024</a:t>
+              <a:t>13.09.2024</a:t>
             </a:fld>
             <a:endParaRPr lang="tr-TR"/>
           </a:p>
@@ -2571,7 +2571,7 @@
           <a:p>
             <a:fld id="{B6656B97-137F-4946-A02D-88820FFCEFD7}" type="datetimeFigureOut">
               <a:rPr lang="tr-TR" smtClean="0"/>
-              <a:t>29.04.2024</a:t>
+              <a:t>13.09.2024</a:t>
             </a:fld>
             <a:endParaRPr lang="tr-TR"/>
           </a:p>
@@ -2995,8 +2995,15 @@
           <a:p>
             <a:r>
               <a:rPr lang="tr-TR" dirty="0" smtClean="0"/>
-              <a:t>ABDULKADİR BERAT BUYRUK	205260025</a:t>
-            </a:r>
+              <a:t>ABDULKADİR BERAT </a:t>
+            </a:r>
+            <a:r>
+              <a:rPr lang="tr-TR" dirty="0" smtClean="0"/>
+              <a:t>BUYRUK</a:t>
+            </a:r>
+            <a:br>
+              <a:rPr lang="tr-TR" dirty="0" smtClean="0"/>
+            </a:br>
             <a:endParaRPr lang="tr-TR" dirty="0"/>
           </a:p>
         </p:txBody>
